--- a/Blog Coursework.pptx
+++ b/Blog Coursework.pptx
@@ -7,6 +7,7 @@
   <p:sldIdLst>
     <p:sldId id="256" r:id="rId2"/>
     <p:sldId id="257" r:id="rId3"/>
+    <p:sldId id="258" r:id="rId4"/>
   </p:sldIdLst>
   <p:sldSz cx="12192000" cy="6858000"/>
   <p:notesSz cx="6858000" cy="9144000"/>
@@ -105,6 +106,11 @@
       </a:defRPr>
     </a:lvl9pPr>
   </p:defaultTextStyle>
+  <p:extLst>
+    <p:ext uri="{EFAFB233-063F-42B5-8137-9DF3F51BA10A}">
+      <p15:sldGuideLst xmlns:p15="http://schemas.microsoft.com/office/powerpoint/2012/main"/>
+    </p:ext>
+  </p:extLst>
 </p:presentation>
 </file>
 
@@ -257,7 +263,7 @@
           <a:p>
             <a:fld id="{93B812D2-0FEA-44B0-8C68-E3718AEC4AC3}" type="datetimeFigureOut">
               <a:rPr lang="en-GB" smtClean="0"/>
-              <a:t>29/06/2024</a:t>
+              <a:t>05/07/2024</a:t>
             </a:fld>
             <a:endParaRPr lang="en-GB"/>
           </a:p>
@@ -457,7 +463,7 @@
           <a:p>
             <a:fld id="{93B812D2-0FEA-44B0-8C68-E3718AEC4AC3}" type="datetimeFigureOut">
               <a:rPr lang="en-GB" smtClean="0"/>
-              <a:t>29/06/2024</a:t>
+              <a:t>05/07/2024</a:t>
             </a:fld>
             <a:endParaRPr lang="en-GB"/>
           </a:p>
@@ -667,7 +673,7 @@
           <a:p>
             <a:fld id="{93B812D2-0FEA-44B0-8C68-E3718AEC4AC3}" type="datetimeFigureOut">
               <a:rPr lang="en-GB" smtClean="0"/>
-              <a:t>29/06/2024</a:t>
+              <a:t>05/07/2024</a:t>
             </a:fld>
             <a:endParaRPr lang="en-GB"/>
           </a:p>
@@ -867,7 +873,7 @@
           <a:p>
             <a:fld id="{93B812D2-0FEA-44B0-8C68-E3718AEC4AC3}" type="datetimeFigureOut">
               <a:rPr lang="en-GB" smtClean="0"/>
-              <a:t>29/06/2024</a:t>
+              <a:t>05/07/2024</a:t>
             </a:fld>
             <a:endParaRPr lang="en-GB"/>
           </a:p>
@@ -1143,7 +1149,7 @@
           <a:p>
             <a:fld id="{93B812D2-0FEA-44B0-8C68-E3718AEC4AC3}" type="datetimeFigureOut">
               <a:rPr lang="en-GB" smtClean="0"/>
-              <a:t>29/06/2024</a:t>
+              <a:t>05/07/2024</a:t>
             </a:fld>
             <a:endParaRPr lang="en-GB"/>
           </a:p>
@@ -1411,7 +1417,7 @@
           <a:p>
             <a:fld id="{93B812D2-0FEA-44B0-8C68-E3718AEC4AC3}" type="datetimeFigureOut">
               <a:rPr lang="en-GB" smtClean="0"/>
-              <a:t>29/06/2024</a:t>
+              <a:t>05/07/2024</a:t>
             </a:fld>
             <a:endParaRPr lang="en-GB"/>
           </a:p>
@@ -1826,7 +1832,7 @@
           <a:p>
             <a:fld id="{93B812D2-0FEA-44B0-8C68-E3718AEC4AC3}" type="datetimeFigureOut">
               <a:rPr lang="en-GB" smtClean="0"/>
-              <a:t>29/06/2024</a:t>
+              <a:t>05/07/2024</a:t>
             </a:fld>
             <a:endParaRPr lang="en-GB"/>
           </a:p>
@@ -1968,7 +1974,7 @@
           <a:p>
             <a:fld id="{93B812D2-0FEA-44B0-8C68-E3718AEC4AC3}" type="datetimeFigureOut">
               <a:rPr lang="en-GB" smtClean="0"/>
-              <a:t>29/06/2024</a:t>
+              <a:t>05/07/2024</a:t>
             </a:fld>
             <a:endParaRPr lang="en-GB"/>
           </a:p>
@@ -2081,7 +2087,7 @@
           <a:p>
             <a:fld id="{93B812D2-0FEA-44B0-8C68-E3718AEC4AC3}" type="datetimeFigureOut">
               <a:rPr lang="en-GB" smtClean="0"/>
-              <a:t>29/06/2024</a:t>
+              <a:t>05/07/2024</a:t>
             </a:fld>
             <a:endParaRPr lang="en-GB"/>
           </a:p>
@@ -2394,7 +2400,7 @@
           <a:p>
             <a:fld id="{93B812D2-0FEA-44B0-8C68-E3718AEC4AC3}" type="datetimeFigureOut">
               <a:rPr lang="en-GB" smtClean="0"/>
-              <a:t>29/06/2024</a:t>
+              <a:t>05/07/2024</a:t>
             </a:fld>
             <a:endParaRPr lang="en-GB"/>
           </a:p>
@@ -2683,7 +2689,7 @@
           <a:p>
             <a:fld id="{93B812D2-0FEA-44B0-8C68-E3718AEC4AC3}" type="datetimeFigureOut">
               <a:rPr lang="en-GB" smtClean="0"/>
-              <a:t>29/06/2024</a:t>
+              <a:t>05/07/2024</a:t>
             </a:fld>
             <a:endParaRPr lang="en-GB"/>
           </a:p>
@@ -2926,7 +2932,7 @@
           <a:p>
             <a:fld id="{93B812D2-0FEA-44B0-8C68-E3718AEC4AC3}" type="datetimeFigureOut">
               <a:rPr lang="en-GB" smtClean="0"/>
-              <a:t>29/06/2024</a:t>
+              <a:t>05/07/2024</a:t>
             </a:fld>
             <a:endParaRPr lang="en-GB"/>
           </a:p>
@@ -3488,6 +3494,127 @@
     <p:extLst>
       <p:ext uri="{BB962C8B-B14F-4D97-AF65-F5344CB8AC3E}">
         <p14:creationId xmlns:p14="http://schemas.microsoft.com/office/powerpoint/2010/main" val="2043220611"/>
+      </p:ext>
+    </p:extLst>
+  </p:cSld>
+  <p:clrMapOvr>
+    <a:masterClrMapping/>
+  </p:clrMapOvr>
+</p:sld>
+</file>
+
+<file path=ppt/slides/slide3.xml><?xml version="1.0" encoding="utf-8"?>
+<p:sld xmlns:a="http://schemas.openxmlformats.org/drawingml/2006/main" xmlns:r="http://schemas.openxmlformats.org/officeDocument/2006/relationships" xmlns:p="http://schemas.openxmlformats.org/presentationml/2006/main">
+  <p:cSld>
+    <p:spTree>
+      <p:nvGrpSpPr>
+        <p:cNvPr id="1" name=""/>
+        <p:cNvGrpSpPr/>
+        <p:nvPr/>
+      </p:nvGrpSpPr>
+      <p:grpSpPr>
+        <a:xfrm>
+          <a:off x="0" y="0"/>
+          <a:ext cx="0" cy="0"/>
+          <a:chOff x="0" y="0"/>
+          <a:chExt cx="0" cy="0"/>
+        </a:xfrm>
+      </p:grpSpPr>
+      <p:sp>
+        <p:nvSpPr>
+          <p:cNvPr id="2" name="Title 1">
+            <a:extLst>
+              <a:ext uri="{FF2B5EF4-FFF2-40B4-BE49-F238E27FC236}">
+                <a16:creationId xmlns:a16="http://schemas.microsoft.com/office/drawing/2014/main" id="{2FCFF290-E460-3EBA-C3E5-3400E9AD139B}"/>
+              </a:ext>
+            </a:extLst>
+          </p:cNvPr>
+          <p:cNvSpPr>
+            <a:spLocks noGrp="1"/>
+          </p:cNvSpPr>
+          <p:nvPr>
+            <p:ph type="title"/>
+          </p:nvPr>
+        </p:nvSpPr>
+        <p:spPr/>
+        <p:txBody>
+          <a:bodyPr/>
+          <a:lstStyle/>
+          <a:p>
+            <a:r>
+              <a:rPr lang="en-GB" dirty="0"/>
+              <a:t>API</a:t>
+            </a:r>
+          </a:p>
+        </p:txBody>
+      </p:sp>
+      <p:sp>
+        <p:nvSpPr>
+          <p:cNvPr id="3" name="Content Placeholder 2">
+            <a:extLst>
+              <a:ext uri="{FF2B5EF4-FFF2-40B4-BE49-F238E27FC236}">
+                <a16:creationId xmlns:a16="http://schemas.microsoft.com/office/drawing/2014/main" id="{8A4A74AF-A987-6047-5C75-915ADAF7B284}"/>
+              </a:ext>
+            </a:extLst>
+          </p:cNvPr>
+          <p:cNvSpPr>
+            <a:spLocks noGrp="1"/>
+          </p:cNvSpPr>
+          <p:nvPr>
+            <p:ph idx="1"/>
+          </p:nvPr>
+        </p:nvSpPr>
+        <p:spPr>
+          <a:xfrm>
+            <a:off x="838200" y="1844675"/>
+            <a:ext cx="10515600" cy="4351338"/>
+          </a:xfrm>
+        </p:spPr>
+        <p:txBody>
+          <a:bodyPr/>
+          <a:lstStyle/>
+          <a:p>
+            <a:r>
+              <a:rPr lang="en-GB" dirty="0"/>
+              <a:t>http://colormind.io/api-access/</a:t>
+            </a:r>
+          </a:p>
+        </p:txBody>
+      </p:sp>
+      <p:pic>
+        <p:nvPicPr>
+          <p:cNvPr id="5" name="Picture 4">
+            <a:extLst>
+              <a:ext uri="{FF2B5EF4-FFF2-40B4-BE49-F238E27FC236}">
+                <a16:creationId xmlns:a16="http://schemas.microsoft.com/office/drawing/2014/main" id="{7614564F-CC8E-F774-5DDD-F9237932CF94}"/>
+              </a:ext>
+            </a:extLst>
+          </p:cNvPr>
+          <p:cNvPicPr>
+            <a:picLocks noChangeAspect="1"/>
+          </p:cNvPicPr>
+          <p:nvPr/>
+        </p:nvPicPr>
+        <p:blipFill>
+          <a:blip r:embed="rId2"/>
+          <a:stretch>
+            <a:fillRect/>
+          </a:stretch>
+        </p:blipFill>
+        <p:spPr>
+          <a:xfrm>
+            <a:off x="6226875" y="443706"/>
+            <a:ext cx="5188278" cy="5562600"/>
+          </a:xfrm>
+          <a:prstGeom prst="rect">
+            <a:avLst/>
+          </a:prstGeom>
+        </p:spPr>
+      </p:pic>
+    </p:spTree>
+    <p:extLst>
+      <p:ext uri="{BB962C8B-B14F-4D97-AF65-F5344CB8AC3E}">
+        <p14:creationId xmlns:p14="http://schemas.microsoft.com/office/powerpoint/2010/main" val="2822001380"/>
       </p:ext>
     </p:extLst>
   </p:cSld>

--- a/Blog Coursework.pptx
+++ b/Blog Coursework.pptx
@@ -8,6 +8,7 @@
     <p:sldId id="256" r:id="rId2"/>
     <p:sldId id="257" r:id="rId3"/>
     <p:sldId id="258" r:id="rId4"/>
+    <p:sldId id="259" r:id="rId5"/>
   </p:sldIdLst>
   <p:sldSz cx="12192000" cy="6858000"/>
   <p:notesSz cx="6858000" cy="9144000"/>
@@ -3615,6 +3616,192 @@
     <p:extLst>
       <p:ext uri="{BB962C8B-B14F-4D97-AF65-F5344CB8AC3E}">
         <p14:creationId xmlns:p14="http://schemas.microsoft.com/office/powerpoint/2010/main" val="2822001380"/>
+      </p:ext>
+    </p:extLst>
+  </p:cSld>
+  <p:clrMapOvr>
+    <a:masterClrMapping/>
+  </p:clrMapOvr>
+</p:sld>
+</file>
+
+<file path=ppt/slides/slide4.xml><?xml version="1.0" encoding="utf-8"?>
+<p:sld xmlns:a="http://schemas.openxmlformats.org/drawingml/2006/main" xmlns:r="http://schemas.openxmlformats.org/officeDocument/2006/relationships" xmlns:p="http://schemas.openxmlformats.org/presentationml/2006/main">
+  <p:cSld>
+    <p:spTree>
+      <p:nvGrpSpPr>
+        <p:cNvPr id="1" name=""/>
+        <p:cNvGrpSpPr/>
+        <p:nvPr/>
+      </p:nvGrpSpPr>
+      <p:grpSpPr>
+        <a:xfrm>
+          <a:off x="0" y="0"/>
+          <a:ext cx="0" cy="0"/>
+          <a:chOff x="0" y="0"/>
+          <a:chExt cx="0" cy="0"/>
+        </a:xfrm>
+      </p:grpSpPr>
+      <p:sp>
+        <p:nvSpPr>
+          <p:cNvPr id="2" name="Title 1">
+            <a:extLst>
+              <a:ext uri="{FF2B5EF4-FFF2-40B4-BE49-F238E27FC236}">
+                <a16:creationId xmlns:a16="http://schemas.microsoft.com/office/drawing/2014/main" id="{5B9F5521-9D68-8001-EFFA-0855C826E594}"/>
+              </a:ext>
+            </a:extLst>
+          </p:cNvPr>
+          <p:cNvSpPr>
+            <a:spLocks noGrp="1"/>
+          </p:cNvSpPr>
+          <p:nvPr>
+            <p:ph type="title"/>
+          </p:nvPr>
+        </p:nvSpPr>
+        <p:spPr/>
+        <p:txBody>
+          <a:bodyPr/>
+          <a:lstStyle/>
+          <a:p>
+            <a:r>
+              <a:rPr lang="en-GB" dirty="0"/>
+              <a:t>Deployment with </a:t>
+            </a:r>
+            <a:r>
+              <a:rPr lang="en-GB" dirty="0" err="1"/>
+              <a:t>supabase</a:t>
+            </a:r>
+            <a:endParaRPr lang="en-GB" dirty="0"/>
+          </a:p>
+        </p:txBody>
+      </p:sp>
+      <p:sp>
+        <p:nvSpPr>
+          <p:cNvPr id="3" name="Content Placeholder 2">
+            <a:extLst>
+              <a:ext uri="{FF2B5EF4-FFF2-40B4-BE49-F238E27FC236}">
+                <a16:creationId xmlns:a16="http://schemas.microsoft.com/office/drawing/2014/main" id="{4BF01FCA-A94B-9018-4035-3F7B1FAC9D7A}"/>
+              </a:ext>
+            </a:extLst>
+          </p:cNvPr>
+          <p:cNvSpPr>
+            <a:spLocks noGrp="1"/>
+          </p:cNvSpPr>
+          <p:nvPr>
+            <p:ph idx="1"/>
+          </p:nvPr>
+        </p:nvSpPr>
+        <p:spPr>
+          <a:xfrm>
+            <a:off x="838200" y="1825625"/>
+            <a:ext cx="4349750" cy="4351338"/>
+          </a:xfrm>
+        </p:spPr>
+        <p:txBody>
+          <a:bodyPr/>
+          <a:lstStyle/>
+          <a:p>
+            <a:r>
+              <a:rPr lang="en-GB" dirty="0"/>
+              <a:t>Creating newsletter subscribers table</a:t>
+            </a:r>
+          </a:p>
+        </p:txBody>
+      </p:sp>
+      <p:pic>
+        <p:nvPicPr>
+          <p:cNvPr id="5" name="Picture 4">
+            <a:extLst>
+              <a:ext uri="{FF2B5EF4-FFF2-40B4-BE49-F238E27FC236}">
+                <a16:creationId xmlns:a16="http://schemas.microsoft.com/office/drawing/2014/main" id="{9E54D9A8-BBCA-84BE-FDD0-4A921DF4D0AC}"/>
+              </a:ext>
+            </a:extLst>
+          </p:cNvPr>
+          <p:cNvPicPr>
+            <a:picLocks noChangeAspect="1"/>
+          </p:cNvPicPr>
+          <p:nvPr/>
+        </p:nvPicPr>
+        <p:blipFill>
+          <a:blip r:embed="rId2"/>
+          <a:stretch>
+            <a:fillRect/>
+          </a:stretch>
+        </p:blipFill>
+        <p:spPr>
+          <a:xfrm>
+            <a:off x="4736193" y="1606550"/>
+            <a:ext cx="6245612" cy="2933700"/>
+          </a:xfrm>
+          <a:prstGeom prst="rect">
+            <a:avLst/>
+          </a:prstGeom>
+        </p:spPr>
+      </p:pic>
+      <p:pic>
+        <p:nvPicPr>
+          <p:cNvPr id="7" name="Picture 6">
+            <a:extLst>
+              <a:ext uri="{FF2B5EF4-FFF2-40B4-BE49-F238E27FC236}">
+                <a16:creationId xmlns:a16="http://schemas.microsoft.com/office/drawing/2014/main" id="{4EE69A4E-6F89-051E-EC78-75D432E85335}"/>
+              </a:ext>
+            </a:extLst>
+          </p:cNvPr>
+          <p:cNvPicPr>
+            <a:picLocks noChangeAspect="1"/>
+          </p:cNvPicPr>
+          <p:nvPr/>
+        </p:nvPicPr>
+        <p:blipFill>
+          <a:blip r:embed="rId3"/>
+          <a:stretch>
+            <a:fillRect/>
+          </a:stretch>
+        </p:blipFill>
+        <p:spPr>
+          <a:xfrm>
+            <a:off x="4736192" y="4675187"/>
+            <a:ext cx="6216987" cy="1033463"/>
+          </a:xfrm>
+          <a:prstGeom prst="rect">
+            <a:avLst/>
+          </a:prstGeom>
+        </p:spPr>
+      </p:pic>
+      <p:pic>
+        <p:nvPicPr>
+          <p:cNvPr id="9" name="Picture 8">
+            <a:extLst>
+              <a:ext uri="{FF2B5EF4-FFF2-40B4-BE49-F238E27FC236}">
+                <a16:creationId xmlns:a16="http://schemas.microsoft.com/office/drawing/2014/main" id="{C3A4966B-D806-7734-4DB1-33A6EA1F1C4A}"/>
+              </a:ext>
+            </a:extLst>
+          </p:cNvPr>
+          <p:cNvPicPr>
+            <a:picLocks noChangeAspect="1"/>
+          </p:cNvPicPr>
+          <p:nvPr/>
+        </p:nvPicPr>
+        <p:blipFill>
+          <a:blip r:embed="rId4"/>
+          <a:stretch>
+            <a:fillRect/>
+          </a:stretch>
+        </p:blipFill>
+        <p:spPr>
+          <a:xfrm>
+            <a:off x="359765" y="3930354"/>
+            <a:ext cx="4053337" cy="1325563"/>
+          </a:xfrm>
+          <a:prstGeom prst="rect">
+            <a:avLst/>
+          </a:prstGeom>
+        </p:spPr>
+      </p:pic>
+    </p:spTree>
+    <p:extLst>
+      <p:ext uri="{BB962C8B-B14F-4D97-AF65-F5344CB8AC3E}">
+        <p14:creationId xmlns:p14="http://schemas.microsoft.com/office/powerpoint/2010/main" val="2547791804"/>
       </p:ext>
     </p:extLst>
   </p:cSld>
